--- a/Soutenance projet 3 .pptx
+++ b/Soutenance projet 3 .pptx
@@ -10532,10 +10532,10 @@
       </p:sp>
       <p:pic>
         <p:nvPicPr>
-          <p:cNvPr id="5" name="Image 4">
-            <a:extLst>
-              <a:ext uri="{FF2B5EF4-FFF2-40B4-BE49-F238E27FC236}">
-                <a16:creationId xmlns:a16="http://schemas.microsoft.com/office/drawing/2014/main" id="{976CCF1C-D3D0-4945-B337-5E25336FEFF1}"/>
+          <p:cNvPr id="7" name="Image 6">
+            <a:extLst>
+              <a:ext uri="{FF2B5EF4-FFF2-40B4-BE49-F238E27FC236}">
+                <a16:creationId xmlns:a16="http://schemas.microsoft.com/office/drawing/2014/main" id="{C9BE902E-56EF-B54A-8BB1-414ABA628108}"/>
               </a:ext>
             </a:extLst>
           </p:cNvPr>
@@ -10552,8 +10552,8 @@
         </p:blipFill>
         <p:spPr>
           <a:xfrm>
-            <a:off x="276432" y="1795510"/>
-            <a:ext cx="3155246" cy="3600000"/>
+            <a:off x="4562167" y="1795510"/>
+            <a:ext cx="3668292" cy="3600000"/>
           </a:xfrm>
           <a:prstGeom prst="rect">
             <a:avLst/>
@@ -10562,10 +10562,10 @@
       </p:pic>
       <p:pic>
         <p:nvPicPr>
-          <p:cNvPr id="7" name="Image 6">
-            <a:extLst>
-              <a:ext uri="{FF2B5EF4-FFF2-40B4-BE49-F238E27FC236}">
-                <a16:creationId xmlns:a16="http://schemas.microsoft.com/office/drawing/2014/main" id="{C9BE902E-56EF-B54A-8BB1-414ABA628108}"/>
+          <p:cNvPr id="9" name="Image 8">
+            <a:extLst>
+              <a:ext uri="{FF2B5EF4-FFF2-40B4-BE49-F238E27FC236}">
+                <a16:creationId xmlns:a16="http://schemas.microsoft.com/office/drawing/2014/main" id="{AC6259A3-88D8-EB44-9327-FEB4E3DFD1D4}"/>
               </a:ext>
             </a:extLst>
           </p:cNvPr>
@@ -10582,8 +10582,8 @@
         </p:blipFill>
         <p:spPr>
           <a:xfrm>
-            <a:off x="4261854" y="1795510"/>
-            <a:ext cx="3668292" cy="3600000"/>
+            <a:off x="9033454" y="1795510"/>
+            <a:ext cx="2648780" cy="3600000"/>
           </a:xfrm>
           <a:prstGeom prst="rect">
             <a:avLst/>
@@ -10592,10 +10592,10 @@
       </p:pic>
       <p:pic>
         <p:nvPicPr>
-          <p:cNvPr id="9" name="Image 8">
-            <a:extLst>
-              <a:ext uri="{FF2B5EF4-FFF2-40B4-BE49-F238E27FC236}">
-                <a16:creationId xmlns:a16="http://schemas.microsoft.com/office/drawing/2014/main" id="{AC6259A3-88D8-EB44-9327-FEB4E3DFD1D4}"/>
+          <p:cNvPr id="11" name="Image 10">
+            <a:extLst>
+              <a:ext uri="{FF2B5EF4-FFF2-40B4-BE49-F238E27FC236}">
+                <a16:creationId xmlns:a16="http://schemas.microsoft.com/office/drawing/2014/main" id="{DD7800B9-31F3-BA4A-AFE7-1F24D201EC37}"/>
               </a:ext>
             </a:extLst>
           </p:cNvPr>
@@ -10612,8 +10612,8 @@
         </p:blipFill>
         <p:spPr>
           <a:xfrm>
-            <a:off x="8760322" y="1795510"/>
-            <a:ext cx="2648780" cy="3600000"/>
+            <a:off x="509766" y="1795510"/>
+            <a:ext cx="3249406" cy="3600000"/>
           </a:xfrm>
           <a:prstGeom prst="rect">
             <a:avLst/>
